--- a/03_JombiDefence3D/zDigine/ScritableObject 사용.pptx
+++ b/03_JombiDefence3D/zDigine/ScritableObject 사용.pptx
@@ -15,18 +15,20 @@
     <p:sldId id="260" r:id="rId9"/>
     <p:sldId id="261" r:id="rId10"/>
     <p:sldId id="262" r:id="rId11"/>
+    <p:sldId id="263" r:id="rId12"/>
+    <p:sldId id="264" r:id="rId13"/>
   </p:sldIdLst>
   <p:sldSz cy="5143500" cx="9144000"/>
   <p:notesSz cx="6858000" cy="9144000"/>
   <p:embeddedFontLst>
     <p:embeddedFont>
       <p:font typeface="Average"/>
-      <p:regular r:id="rId12"/>
+      <p:regular r:id="rId14"/>
     </p:embeddedFont>
     <p:embeddedFont>
       <p:font typeface="Oswald"/>
-      <p:regular r:id="rId13"/>
-      <p:bold r:id="rId14"/>
+      <p:regular r:id="rId15"/>
+      <p:bold r:id="rId16"/>
     </p:embeddedFont>
   </p:embeddedFontLst>
   <p:defaultTextStyle>
@@ -1336,6 +1338,204 @@
       <p:sp>
         <p:nvSpPr>
           <p:cNvPr id="103" name="Google Shape;103;ge3830ce1ad_0_31:notes"/>
+          <p:cNvSpPr txBox="1"/>
+          <p:nvPr>
+            <p:ph idx="1" type="body"/>
+          </p:nvPr>
+        </p:nvSpPr>
+        <p:spPr>
+          <a:xfrm>
+            <a:off x="685800" y="4343400"/>
+            <a:ext cx="5486400" cy="4114800"/>
+          </a:xfrm>
+          <a:prstGeom prst="rect">
+            <a:avLst/>
+          </a:prstGeom>
+        </p:spPr>
+        <p:txBody>
+          <a:bodyPr anchorCtr="0" anchor="t" bIns="91425" lIns="91425" spcFirstLastPara="1" rIns="91425" wrap="square" tIns="91425">
+            <a:noAutofit/>
+          </a:bodyPr>
+          <a:lstStyle/>
+          <a:p>
+            <a:pPr indent="0" lvl="0" marL="0" rtl="0" algn="l">
+              <a:spcBef>
+                <a:spcPts val="0"/>
+              </a:spcBef>
+              <a:spcAft>
+                <a:spcPts val="0"/>
+              </a:spcAft>
+              <a:buNone/>
+            </a:pPr>
+            <a:r>
+              <a:t/>
+            </a:r>
+            <a:endParaRPr/>
+          </a:p>
+        </p:txBody>
+      </p:sp>
+    </p:spTree>
+  </p:cSld>
+  <p:clrMapOvr>
+    <a:masterClrMapping/>
+  </p:clrMapOvr>
+</p:notes>
+</file>
+
+<file path=ppt/notesSlides/notesSlide8.xml><?xml version="1.0" encoding="utf-8"?>
+<p:notes xmlns:a="http://schemas.openxmlformats.org/drawingml/2006/main" xmlns:r="http://schemas.openxmlformats.org/officeDocument/2006/relationships" xmlns:mc="http://schemas.openxmlformats.org/markup-compatibility/2006" xmlns:mv="urn:schemas-microsoft-com:mac:vml" xmlns:p="http://schemas.openxmlformats.org/presentationml/2006/main" xmlns:c="http://schemas.openxmlformats.org/drawingml/2006/chart" xmlns:dgm="http://schemas.openxmlformats.org/drawingml/2006/diagram" xmlns:o="urn:schemas-microsoft-com:office:office" xmlns:v="urn:schemas-microsoft-com:vml" xmlns:pvml="urn:schemas-microsoft-com:office:powerpoint" xmlns:com="http://schemas.openxmlformats.org/drawingml/2006/compatibility" xmlns:p14="http://schemas.microsoft.com/office/powerpoint/2010/main" xmlns:p15="http://schemas.microsoft.com/office/powerpoint/2012/main" xmlns:ahyp="http://schemas.microsoft.com/office/drawing/2018/hyperlinkcolor" showMasterPhAnim="0" showMasterSp="0">
+  <p:cSld>
+    <p:spTree>
+      <p:nvGrpSpPr>
+        <p:cNvPr id="108" name="Shape 108"/>
+        <p:cNvGrpSpPr/>
+        <p:nvPr/>
+      </p:nvGrpSpPr>
+      <p:grpSpPr>
+        <a:xfrm>
+          <a:off x="0" y="0"/>
+          <a:ext cx="0" cy="0"/>
+          <a:chOff x="0" y="0"/>
+          <a:chExt cx="0" cy="0"/>
+        </a:xfrm>
+      </p:grpSpPr>
+      <p:sp>
+        <p:nvSpPr>
+          <p:cNvPr id="109" name="Google Shape;109;ge3a754c51d_0_0:notes"/>
+          <p:cNvSpPr/>
+          <p:nvPr>
+            <p:ph idx="2" type="sldImg"/>
+          </p:nvPr>
+        </p:nvSpPr>
+        <p:spPr>
+          <a:xfrm>
+            <a:off x="381300" y="685800"/>
+            <a:ext cx="6096000" cy="3429000"/>
+          </a:xfrm>
+          <a:custGeom>
+            <a:rect b="b" l="l" r="r" t="t"/>
+            <a:pathLst>
+              <a:path extrusionOk="0" h="120000" w="120000">
+                <a:moveTo>
+                  <a:pt x="0" y="0"/>
+                </a:moveTo>
+                <a:lnTo>
+                  <a:pt x="120000" y="0"/>
+                </a:lnTo>
+                <a:lnTo>
+                  <a:pt x="120000" y="120000"/>
+                </a:lnTo>
+                <a:lnTo>
+                  <a:pt x="0" y="120000"/>
+                </a:lnTo>
+                <a:close/>
+              </a:path>
+            </a:pathLst>
+          </a:custGeom>
+        </p:spPr>
+      </p:sp>
+      <p:sp>
+        <p:nvSpPr>
+          <p:cNvPr id="110" name="Google Shape;110;ge3a754c51d_0_0:notes"/>
+          <p:cNvSpPr txBox="1"/>
+          <p:nvPr>
+            <p:ph idx="1" type="body"/>
+          </p:nvPr>
+        </p:nvSpPr>
+        <p:spPr>
+          <a:xfrm>
+            <a:off x="685800" y="4343400"/>
+            <a:ext cx="5486400" cy="4114800"/>
+          </a:xfrm>
+          <a:prstGeom prst="rect">
+            <a:avLst/>
+          </a:prstGeom>
+        </p:spPr>
+        <p:txBody>
+          <a:bodyPr anchorCtr="0" anchor="t" bIns="91425" lIns="91425" spcFirstLastPara="1" rIns="91425" wrap="square" tIns="91425">
+            <a:noAutofit/>
+          </a:bodyPr>
+          <a:lstStyle/>
+          <a:p>
+            <a:pPr indent="0" lvl="0" marL="0" rtl="0" algn="l">
+              <a:spcBef>
+                <a:spcPts val="0"/>
+              </a:spcBef>
+              <a:spcAft>
+                <a:spcPts val="0"/>
+              </a:spcAft>
+              <a:buNone/>
+            </a:pPr>
+            <a:r>
+              <a:t/>
+            </a:r>
+            <a:endParaRPr/>
+          </a:p>
+        </p:txBody>
+      </p:sp>
+    </p:spTree>
+  </p:cSld>
+  <p:clrMapOvr>
+    <a:masterClrMapping/>
+  </p:clrMapOvr>
+</p:notes>
+</file>
+
+<file path=ppt/notesSlides/notesSlide9.xml><?xml version="1.0" encoding="utf-8"?>
+<p:notes xmlns:a="http://schemas.openxmlformats.org/drawingml/2006/main" xmlns:r="http://schemas.openxmlformats.org/officeDocument/2006/relationships" xmlns:mc="http://schemas.openxmlformats.org/markup-compatibility/2006" xmlns:mv="urn:schemas-microsoft-com:mac:vml" xmlns:p="http://schemas.openxmlformats.org/presentationml/2006/main" xmlns:c="http://schemas.openxmlformats.org/drawingml/2006/chart" xmlns:dgm="http://schemas.openxmlformats.org/drawingml/2006/diagram" xmlns:o="urn:schemas-microsoft-com:office:office" xmlns:v="urn:schemas-microsoft-com:vml" xmlns:pvml="urn:schemas-microsoft-com:office:powerpoint" xmlns:com="http://schemas.openxmlformats.org/drawingml/2006/compatibility" xmlns:p14="http://schemas.microsoft.com/office/powerpoint/2010/main" xmlns:p15="http://schemas.microsoft.com/office/powerpoint/2012/main" xmlns:ahyp="http://schemas.microsoft.com/office/drawing/2018/hyperlinkcolor" showMasterPhAnim="0" showMasterSp="0">
+  <p:cSld>
+    <p:spTree>
+      <p:nvGrpSpPr>
+        <p:cNvPr id="114" name="Shape 114"/>
+        <p:cNvGrpSpPr/>
+        <p:nvPr/>
+      </p:nvGrpSpPr>
+      <p:grpSpPr>
+        <a:xfrm>
+          <a:off x="0" y="0"/>
+          <a:ext cx="0" cy="0"/>
+          <a:chOff x="0" y="0"/>
+          <a:chExt cx="0" cy="0"/>
+        </a:xfrm>
+      </p:grpSpPr>
+      <p:sp>
+        <p:nvSpPr>
+          <p:cNvPr id="115" name="Google Shape;115;ge3a754c51d_0_6:notes"/>
+          <p:cNvSpPr/>
+          <p:nvPr>
+            <p:ph idx="2" type="sldImg"/>
+          </p:nvPr>
+        </p:nvSpPr>
+        <p:spPr>
+          <a:xfrm>
+            <a:off x="381300" y="685800"/>
+            <a:ext cx="6096000" cy="3429000"/>
+          </a:xfrm>
+          <a:custGeom>
+            <a:rect b="b" l="l" r="r" t="t"/>
+            <a:pathLst>
+              <a:path extrusionOk="0" h="120000" w="120000">
+                <a:moveTo>
+                  <a:pt x="0" y="0"/>
+                </a:moveTo>
+                <a:lnTo>
+                  <a:pt x="120000" y="0"/>
+                </a:lnTo>
+                <a:lnTo>
+                  <a:pt x="120000" y="120000"/>
+                </a:lnTo>
+                <a:lnTo>
+                  <a:pt x="0" y="120000"/>
+                </a:lnTo>
+                <a:close/>
+              </a:path>
+            </a:pathLst>
+          </a:custGeom>
+        </p:spPr>
+      </p:sp>
+      <p:sp>
+        <p:nvSpPr>
+          <p:cNvPr id="116" name="Google Shape;116;ge3a754c51d_0_6:notes"/>
           <p:cNvSpPr txBox="1"/>
           <p:nvPr>
             <p:ph idx="1" type="body"/>
@@ -10466,6 +10666,1319 @@
 </p:sld>
 </file>
 
+<file path=ppt/slides/slide8.xml><?xml version="1.0" encoding="utf-8"?>
+<p:sld xmlns:a="http://schemas.openxmlformats.org/drawingml/2006/main" xmlns:r="http://schemas.openxmlformats.org/officeDocument/2006/relationships" xmlns:mc="http://schemas.openxmlformats.org/markup-compatibility/2006" xmlns:mv="urn:schemas-microsoft-com:mac:vml" xmlns:p="http://schemas.openxmlformats.org/presentationml/2006/main" xmlns:c="http://schemas.openxmlformats.org/drawingml/2006/chart" xmlns:dgm="http://schemas.openxmlformats.org/drawingml/2006/diagram" xmlns:o="urn:schemas-microsoft-com:office:office" xmlns:v="urn:schemas-microsoft-com:vml" xmlns:pvml="urn:schemas-microsoft-com:office:powerpoint" xmlns:com="http://schemas.openxmlformats.org/drawingml/2006/compatibility" xmlns:p14="http://schemas.microsoft.com/office/powerpoint/2010/main" xmlns:p15="http://schemas.microsoft.com/office/powerpoint/2012/main" xmlns:ahyp="http://schemas.microsoft.com/office/drawing/2018/hyperlinkcolor">
+  <p:cSld>
+    <p:spTree>
+      <p:nvGrpSpPr>
+        <p:cNvPr id="111" name="Shape 111"/>
+        <p:cNvGrpSpPr/>
+        <p:nvPr/>
+      </p:nvGrpSpPr>
+      <p:grpSpPr>
+        <a:xfrm>
+          <a:off x="0" y="0"/>
+          <a:ext cx="0" cy="0"/>
+          <a:chOff x="0" y="0"/>
+          <a:chExt cx="0" cy="0"/>
+        </a:xfrm>
+      </p:grpSpPr>
+      <p:sp>
+        <p:nvSpPr>
+          <p:cNvPr id="112" name="Google Shape;112;p21"/>
+          <p:cNvSpPr txBox="1"/>
+          <p:nvPr/>
+        </p:nvSpPr>
+        <p:spPr>
+          <a:xfrm>
+            <a:off x="628651" y="229025"/>
+            <a:ext cx="6090900" cy="491700"/>
+          </a:xfrm>
+          <a:prstGeom prst="rect">
+            <a:avLst/>
+          </a:prstGeom>
+          <a:noFill/>
+          <a:ln>
+            <a:noFill/>
+          </a:ln>
+          <a:effectLst>
+            <a:outerShdw blurRad="50800" rotWithShape="0" algn="tl" dir="2700000" dist="38100">
+              <a:srgbClr val="595959">
+                <a:alpha val="40000"/>
+              </a:srgbClr>
+            </a:outerShdw>
+          </a:effectLst>
+        </p:spPr>
+        <p:txBody>
+          <a:bodyPr anchorCtr="0" anchor="t" bIns="34275" lIns="68575" spcFirstLastPara="1" rIns="68575" wrap="square" tIns="34275">
+            <a:noAutofit/>
+          </a:bodyPr>
+          <a:lstStyle/>
+          <a:p>
+            <a:pPr indent="0" lvl="0" marL="0" marR="0" rtl="0" algn="l">
+              <a:lnSpc>
+                <a:spcPct val="90000"/>
+              </a:lnSpc>
+              <a:spcBef>
+                <a:spcPts val="0"/>
+              </a:spcBef>
+              <a:spcAft>
+                <a:spcPts val="0"/>
+              </a:spcAft>
+              <a:buClr>
+                <a:schemeClr val="dk1"/>
+              </a:buClr>
+              <a:buSzPts val="3000"/>
+              <a:buFont typeface="Malgun Gothic"/>
+              <a:buNone/>
+            </a:pPr>
+            <a:r>
+              <a:rPr b="1" lang="ko" sz="3000">
+                <a:solidFill>
+                  <a:schemeClr val="dk1"/>
+                </a:solidFill>
+                <a:latin typeface="Malgun Gothic"/>
+                <a:ea typeface="Malgun Gothic"/>
+                <a:cs typeface="Malgun Gothic"/>
+                <a:sym typeface="Malgun Gothic"/>
+              </a:rPr>
+              <a:t>Image Cursor 만들기</a:t>
+            </a:r>
+            <a:endParaRPr b="1" sz="3000">
+              <a:solidFill>
+                <a:schemeClr val="dk1"/>
+              </a:solidFill>
+              <a:latin typeface="Malgun Gothic"/>
+              <a:ea typeface="Malgun Gothic"/>
+              <a:cs typeface="Malgun Gothic"/>
+              <a:sym typeface="Malgun Gothic"/>
+            </a:endParaRPr>
+          </a:p>
+        </p:txBody>
+      </p:sp>
+      <p:sp>
+        <p:nvSpPr>
+          <p:cNvPr id="113" name="Google Shape;113;p21"/>
+          <p:cNvSpPr txBox="1"/>
+          <p:nvPr/>
+        </p:nvSpPr>
+        <p:spPr>
+          <a:xfrm>
+            <a:off x="805175" y="1009500"/>
+            <a:ext cx="7897200" cy="3617400"/>
+          </a:xfrm>
+          <a:prstGeom prst="rect">
+            <a:avLst/>
+          </a:prstGeom>
+          <a:solidFill>
+            <a:srgbClr val="FFF2CC"/>
+          </a:solidFill>
+          <a:ln cap="flat" cmpd="sng" w="9525">
+            <a:solidFill>
+              <a:srgbClr val="6D9EEB"/>
+            </a:solidFill>
+            <a:prstDash val="solid"/>
+            <a:round/>
+            <a:headEnd len="sm" w="sm" type="none"/>
+            <a:tailEnd len="sm" w="sm" type="none"/>
+          </a:ln>
+        </p:spPr>
+        <p:txBody>
+          <a:bodyPr anchorCtr="0" anchor="t" bIns="34275" lIns="68575" spcFirstLastPara="1" rIns="68575" wrap="square" tIns="34275">
+            <a:noAutofit/>
+          </a:bodyPr>
+          <a:lstStyle/>
+          <a:p>
+            <a:pPr indent="0" lvl="0" marL="457200" marR="0" rtl="0" algn="l">
+              <a:lnSpc>
+                <a:spcPct val="150000"/>
+              </a:lnSpc>
+              <a:spcBef>
+                <a:spcPts val="0"/>
+              </a:spcBef>
+              <a:spcAft>
+                <a:spcPts val="0"/>
+              </a:spcAft>
+              <a:buNone/>
+            </a:pPr>
+            <a:r>
+              <a:t/>
+            </a:r>
+            <a:endParaRPr b="1">
+              <a:latin typeface="Malgun Gothic"/>
+              <a:ea typeface="Malgun Gothic"/>
+              <a:cs typeface="Malgun Gothic"/>
+              <a:sym typeface="Malgun Gothic"/>
+            </a:endParaRPr>
+          </a:p>
+          <a:p>
+            <a:pPr indent="0" lvl="0" marL="0" marR="0" rtl="0" algn="l">
+              <a:lnSpc>
+                <a:spcPct val="150000"/>
+              </a:lnSpc>
+              <a:spcBef>
+                <a:spcPts val="0"/>
+              </a:spcBef>
+              <a:spcAft>
+                <a:spcPts val="0"/>
+              </a:spcAft>
+              <a:buNone/>
+            </a:pPr>
+            <a:r>
+              <a:rPr b="1" lang="ko">
+                <a:latin typeface="Malgun Gothic"/>
+                <a:ea typeface="Malgun Gothic"/>
+                <a:cs typeface="Malgun Gothic"/>
+                <a:sym typeface="Malgun Gothic"/>
+              </a:rPr>
+              <a:t>    void Update_MouseCursor()</a:t>
+            </a:r>
+            <a:endParaRPr b="1">
+              <a:latin typeface="Malgun Gothic"/>
+              <a:ea typeface="Malgun Gothic"/>
+              <a:cs typeface="Malgun Gothic"/>
+              <a:sym typeface="Malgun Gothic"/>
+            </a:endParaRPr>
+          </a:p>
+          <a:p>
+            <a:pPr indent="0" lvl="0" marL="0" marR="0" rtl="0" algn="l">
+              <a:lnSpc>
+                <a:spcPct val="150000"/>
+              </a:lnSpc>
+              <a:spcBef>
+                <a:spcPts val="0"/>
+              </a:spcBef>
+              <a:spcAft>
+                <a:spcPts val="0"/>
+              </a:spcAft>
+              <a:buNone/>
+            </a:pPr>
+            <a:r>
+              <a:rPr b="1" lang="ko">
+                <a:latin typeface="Malgun Gothic"/>
+                <a:ea typeface="Malgun Gothic"/>
+                <a:cs typeface="Malgun Gothic"/>
+                <a:sym typeface="Malgun Gothic"/>
+              </a:rPr>
+              <a:t>    {</a:t>
+            </a:r>
+            <a:endParaRPr b="1">
+              <a:latin typeface="Malgun Gothic"/>
+              <a:ea typeface="Malgun Gothic"/>
+              <a:cs typeface="Malgun Gothic"/>
+              <a:sym typeface="Malgun Gothic"/>
+            </a:endParaRPr>
+          </a:p>
+          <a:p>
+            <a:pPr indent="0" lvl="0" marL="0" marR="0" rtl="0" algn="l">
+              <a:lnSpc>
+                <a:spcPct val="150000"/>
+              </a:lnSpc>
+              <a:spcBef>
+                <a:spcPts val="0"/>
+              </a:spcBef>
+              <a:spcAft>
+                <a:spcPts val="0"/>
+              </a:spcAft>
+              <a:buNone/>
+            </a:pPr>
+            <a:r>
+              <a:rPr b="1" lang="ko">
+                <a:latin typeface="Malgun Gothic"/>
+                <a:ea typeface="Malgun Gothic"/>
+                <a:cs typeface="Malgun Gothic"/>
+                <a:sym typeface="Malgun Gothic"/>
+              </a:rPr>
+              <a:t>        Vector3 vPos = Input.mousePosition;</a:t>
+            </a:r>
+            <a:endParaRPr b="1">
+              <a:latin typeface="Malgun Gothic"/>
+              <a:ea typeface="Malgun Gothic"/>
+              <a:cs typeface="Malgun Gothic"/>
+              <a:sym typeface="Malgun Gothic"/>
+            </a:endParaRPr>
+          </a:p>
+          <a:p>
+            <a:pPr indent="0" lvl="0" marL="0" marR="0" rtl="0" algn="l">
+              <a:lnSpc>
+                <a:spcPct val="150000"/>
+              </a:lnSpc>
+              <a:spcBef>
+                <a:spcPts val="0"/>
+              </a:spcBef>
+              <a:spcAft>
+                <a:spcPts val="0"/>
+              </a:spcAft>
+              <a:buNone/>
+            </a:pPr>
+            <a:r>
+              <a:rPr b="1" lang="ko">
+                <a:latin typeface="Malgun Gothic"/>
+                <a:ea typeface="Malgun Gothic"/>
+                <a:cs typeface="Malgun Gothic"/>
+                <a:sym typeface="Malgun Gothic"/>
+              </a:rPr>
+              <a:t>        Camera kCamera = m_RootCanvas.worldCamera;</a:t>
+            </a:r>
+            <a:endParaRPr b="1">
+              <a:latin typeface="Malgun Gothic"/>
+              <a:ea typeface="Malgun Gothic"/>
+              <a:cs typeface="Malgun Gothic"/>
+              <a:sym typeface="Malgun Gothic"/>
+            </a:endParaRPr>
+          </a:p>
+          <a:p>
+            <a:pPr indent="0" lvl="0" marL="0" marR="0" rtl="0" algn="l">
+              <a:lnSpc>
+                <a:spcPct val="150000"/>
+              </a:lnSpc>
+              <a:spcBef>
+                <a:spcPts val="0"/>
+              </a:spcBef>
+              <a:spcAft>
+                <a:spcPts val="0"/>
+              </a:spcAft>
+              <a:buNone/>
+            </a:pPr>
+            <a:r>
+              <a:rPr b="1" lang="ko">
+                <a:latin typeface="Malgun Gothic"/>
+                <a:ea typeface="Malgun Gothic"/>
+                <a:cs typeface="Malgun Gothic"/>
+                <a:sym typeface="Malgun Gothic"/>
+              </a:rPr>
+              <a:t>        Vector3 vWorld;</a:t>
+            </a:r>
+            <a:endParaRPr b="1">
+              <a:latin typeface="Malgun Gothic"/>
+              <a:ea typeface="Malgun Gothic"/>
+              <a:cs typeface="Malgun Gothic"/>
+              <a:sym typeface="Malgun Gothic"/>
+            </a:endParaRPr>
+          </a:p>
+          <a:p>
+            <a:pPr indent="0" lvl="0" marL="0" marR="0" rtl="0" algn="l">
+              <a:lnSpc>
+                <a:spcPct val="150000"/>
+              </a:lnSpc>
+              <a:spcBef>
+                <a:spcPts val="0"/>
+              </a:spcBef>
+              <a:spcAft>
+                <a:spcPts val="0"/>
+              </a:spcAft>
+              <a:buNone/>
+            </a:pPr>
+            <a:r>
+              <a:rPr b="1" lang="ko">
+                <a:latin typeface="Malgun Gothic"/>
+                <a:ea typeface="Malgun Gothic"/>
+                <a:cs typeface="Malgun Gothic"/>
+                <a:sym typeface="Malgun Gothic"/>
+              </a:rPr>
+              <a:t>        RectTransformUtility.ScreenPointToWorldPointInRectangle(</a:t>
+            </a:r>
+            <a:endParaRPr b="1">
+              <a:latin typeface="Malgun Gothic"/>
+              <a:ea typeface="Malgun Gothic"/>
+              <a:cs typeface="Malgun Gothic"/>
+              <a:sym typeface="Malgun Gothic"/>
+            </a:endParaRPr>
+          </a:p>
+          <a:p>
+            <a:pPr indent="0" lvl="0" marL="0" marR="0" rtl="0" algn="l">
+              <a:lnSpc>
+                <a:spcPct val="150000"/>
+              </a:lnSpc>
+              <a:spcBef>
+                <a:spcPts val="0"/>
+              </a:spcBef>
+              <a:spcAft>
+                <a:spcPts val="0"/>
+              </a:spcAft>
+              <a:buNone/>
+            </a:pPr>
+            <a:r>
+              <a:rPr b="1" lang="ko">
+                <a:latin typeface="Malgun Gothic"/>
+                <a:ea typeface="Malgun Gothic"/>
+                <a:cs typeface="Malgun Gothic"/>
+                <a:sym typeface="Malgun Gothic"/>
+              </a:rPr>
+              <a:t>                  m_RootCanvas.transform as RectTransform, vPos, kCamera, out vWorld);</a:t>
+            </a:r>
+            <a:endParaRPr b="1">
+              <a:latin typeface="Malgun Gothic"/>
+              <a:ea typeface="Malgun Gothic"/>
+              <a:cs typeface="Malgun Gothic"/>
+              <a:sym typeface="Malgun Gothic"/>
+            </a:endParaRPr>
+          </a:p>
+          <a:p>
+            <a:pPr indent="0" lvl="0" marL="0" marR="0" rtl="0" algn="l">
+              <a:lnSpc>
+                <a:spcPct val="150000"/>
+              </a:lnSpc>
+              <a:spcBef>
+                <a:spcPts val="0"/>
+              </a:spcBef>
+              <a:spcAft>
+                <a:spcPts val="0"/>
+              </a:spcAft>
+              <a:buNone/>
+            </a:pPr>
+            <a:r>
+              <a:rPr b="1" lang="ko">
+                <a:latin typeface="Malgun Gothic"/>
+                <a:ea typeface="Malgun Gothic"/>
+                <a:cs typeface="Malgun Gothic"/>
+                <a:sym typeface="Malgun Gothic"/>
+              </a:rPr>
+              <a:t>        m_MouseCursor.transform.position = vWorld;</a:t>
+            </a:r>
+            <a:endParaRPr b="1">
+              <a:latin typeface="Malgun Gothic"/>
+              <a:ea typeface="Malgun Gothic"/>
+              <a:cs typeface="Malgun Gothic"/>
+              <a:sym typeface="Malgun Gothic"/>
+            </a:endParaRPr>
+          </a:p>
+          <a:p>
+            <a:pPr indent="0" lvl="0" marL="0" marR="0" rtl="0" algn="l">
+              <a:lnSpc>
+                <a:spcPct val="150000"/>
+              </a:lnSpc>
+              <a:spcBef>
+                <a:spcPts val="0"/>
+              </a:spcBef>
+              <a:spcAft>
+                <a:spcPts val="0"/>
+              </a:spcAft>
+              <a:buNone/>
+            </a:pPr>
+            <a:r>
+              <a:rPr b="1" lang="ko">
+                <a:latin typeface="Malgun Gothic"/>
+                <a:ea typeface="Malgun Gothic"/>
+                <a:cs typeface="Malgun Gothic"/>
+                <a:sym typeface="Malgun Gothic"/>
+              </a:rPr>
+              <a:t>    }</a:t>
+            </a:r>
+            <a:endParaRPr b="1">
+              <a:latin typeface="Malgun Gothic"/>
+              <a:ea typeface="Malgun Gothic"/>
+              <a:cs typeface="Malgun Gothic"/>
+              <a:sym typeface="Malgun Gothic"/>
+            </a:endParaRPr>
+          </a:p>
+          <a:p>
+            <a:pPr indent="0" lvl="0" marL="0" marR="0" rtl="0" algn="l">
+              <a:lnSpc>
+                <a:spcPct val="150000"/>
+              </a:lnSpc>
+              <a:spcBef>
+                <a:spcPts val="0"/>
+              </a:spcBef>
+              <a:spcAft>
+                <a:spcPts val="0"/>
+              </a:spcAft>
+              <a:buNone/>
+            </a:pPr>
+            <a:r>
+              <a:t/>
+            </a:r>
+            <a:endParaRPr b="1">
+              <a:latin typeface="Malgun Gothic"/>
+              <a:ea typeface="Malgun Gothic"/>
+              <a:cs typeface="Malgun Gothic"/>
+              <a:sym typeface="Malgun Gothic"/>
+            </a:endParaRPr>
+          </a:p>
+        </p:txBody>
+      </p:sp>
+    </p:spTree>
+  </p:cSld>
+  <p:clrMapOvr>
+    <a:masterClrMapping/>
+  </p:clrMapOvr>
+</p:sld>
+</file>
+
+<file path=ppt/slides/slide9.xml><?xml version="1.0" encoding="utf-8"?>
+<p:sld xmlns:a="http://schemas.openxmlformats.org/drawingml/2006/main" xmlns:r="http://schemas.openxmlformats.org/officeDocument/2006/relationships" xmlns:mc="http://schemas.openxmlformats.org/markup-compatibility/2006" xmlns:mv="urn:schemas-microsoft-com:mac:vml" xmlns:p="http://schemas.openxmlformats.org/presentationml/2006/main" xmlns:c="http://schemas.openxmlformats.org/drawingml/2006/chart" xmlns:dgm="http://schemas.openxmlformats.org/drawingml/2006/diagram" xmlns:o="urn:schemas-microsoft-com:office:office" xmlns:v="urn:schemas-microsoft-com:vml" xmlns:pvml="urn:schemas-microsoft-com:office:powerpoint" xmlns:com="http://schemas.openxmlformats.org/drawingml/2006/compatibility" xmlns:p14="http://schemas.microsoft.com/office/powerpoint/2010/main" xmlns:p15="http://schemas.microsoft.com/office/powerpoint/2012/main" xmlns:ahyp="http://schemas.microsoft.com/office/drawing/2018/hyperlinkcolor">
+  <p:cSld>
+    <p:spTree>
+      <p:nvGrpSpPr>
+        <p:cNvPr id="117" name="Shape 117"/>
+        <p:cNvGrpSpPr/>
+        <p:nvPr/>
+      </p:nvGrpSpPr>
+      <p:grpSpPr>
+        <a:xfrm>
+          <a:off x="0" y="0"/>
+          <a:ext cx="0" cy="0"/>
+          <a:chOff x="0" y="0"/>
+          <a:chExt cx="0" cy="0"/>
+        </a:xfrm>
+      </p:grpSpPr>
+      <p:sp>
+        <p:nvSpPr>
+          <p:cNvPr id="118" name="Google Shape;118;p22"/>
+          <p:cNvSpPr txBox="1"/>
+          <p:nvPr/>
+        </p:nvSpPr>
+        <p:spPr>
+          <a:xfrm>
+            <a:off x="628651" y="229025"/>
+            <a:ext cx="6090900" cy="491700"/>
+          </a:xfrm>
+          <a:prstGeom prst="rect">
+            <a:avLst/>
+          </a:prstGeom>
+          <a:noFill/>
+          <a:ln>
+            <a:noFill/>
+          </a:ln>
+          <a:effectLst>
+            <a:outerShdw blurRad="50800" rotWithShape="0" algn="tl" dir="2700000" dist="38100">
+              <a:srgbClr val="595959">
+                <a:alpha val="40000"/>
+              </a:srgbClr>
+            </a:outerShdw>
+          </a:effectLst>
+        </p:spPr>
+        <p:txBody>
+          <a:bodyPr anchorCtr="0" anchor="t" bIns="34275" lIns="68575" spcFirstLastPara="1" rIns="68575" wrap="square" tIns="34275">
+            <a:noAutofit/>
+          </a:bodyPr>
+          <a:lstStyle/>
+          <a:p>
+            <a:pPr indent="0" lvl="0" marL="0" marR="0" rtl="0" algn="l">
+              <a:lnSpc>
+                <a:spcPct val="90000"/>
+              </a:lnSpc>
+              <a:spcBef>
+                <a:spcPts val="0"/>
+              </a:spcBef>
+              <a:spcAft>
+                <a:spcPts val="0"/>
+              </a:spcAft>
+              <a:buClr>
+                <a:schemeClr val="dk1"/>
+              </a:buClr>
+              <a:buSzPts val="3000"/>
+              <a:buFont typeface="Malgun Gothic"/>
+              <a:buNone/>
+            </a:pPr>
+            <a:r>
+              <a:rPr b="1" lang="ko" sz="3000">
+                <a:solidFill>
+                  <a:schemeClr val="dk1"/>
+                </a:solidFill>
+                <a:latin typeface="Malgun Gothic"/>
+                <a:ea typeface="Malgun Gothic"/>
+                <a:cs typeface="Malgun Gothic"/>
+                <a:sym typeface="Malgun Gothic"/>
+              </a:rPr>
+              <a:t>1인칭 시점(FPS) </a:t>
+            </a:r>
+            <a:r>
+              <a:rPr b="1" lang="ko" sz="3000">
+                <a:solidFill>
+                  <a:schemeClr val="dk1"/>
+                </a:solidFill>
+                <a:latin typeface="Malgun Gothic"/>
+                <a:ea typeface="Malgun Gothic"/>
+                <a:cs typeface="Malgun Gothic"/>
+                <a:sym typeface="Malgun Gothic"/>
+              </a:rPr>
+              <a:t>만들기</a:t>
+            </a:r>
+            <a:endParaRPr b="1" sz="3000">
+              <a:solidFill>
+                <a:schemeClr val="dk1"/>
+              </a:solidFill>
+              <a:latin typeface="Malgun Gothic"/>
+              <a:ea typeface="Malgun Gothic"/>
+              <a:cs typeface="Malgun Gothic"/>
+              <a:sym typeface="Malgun Gothic"/>
+            </a:endParaRPr>
+          </a:p>
+        </p:txBody>
+      </p:sp>
+      <p:sp>
+        <p:nvSpPr>
+          <p:cNvPr id="119" name="Google Shape;119;p22"/>
+          <p:cNvSpPr txBox="1"/>
+          <p:nvPr/>
+        </p:nvSpPr>
+        <p:spPr>
+          <a:xfrm>
+            <a:off x="623400" y="853250"/>
+            <a:ext cx="7897200" cy="4086000"/>
+          </a:xfrm>
+          <a:prstGeom prst="rect">
+            <a:avLst/>
+          </a:prstGeom>
+          <a:solidFill>
+            <a:srgbClr val="FFF2CC"/>
+          </a:solidFill>
+          <a:ln cap="flat" cmpd="sng" w="9525">
+            <a:solidFill>
+              <a:srgbClr val="6D9EEB"/>
+            </a:solidFill>
+            <a:prstDash val="solid"/>
+            <a:round/>
+            <a:headEnd len="sm" w="sm" type="none"/>
+            <a:tailEnd len="sm" w="sm" type="none"/>
+          </a:ln>
+        </p:spPr>
+        <p:txBody>
+          <a:bodyPr anchorCtr="0" anchor="t" bIns="34275" lIns="68575" spcFirstLastPara="1" rIns="68575" wrap="square" tIns="34275">
+            <a:noAutofit/>
+          </a:bodyPr>
+          <a:lstStyle/>
+          <a:p>
+            <a:pPr indent="0" lvl="0" marL="0" marR="0" rtl="0" algn="l">
+              <a:lnSpc>
+                <a:spcPct val="100000"/>
+              </a:lnSpc>
+              <a:spcBef>
+                <a:spcPts val="0"/>
+              </a:spcBef>
+              <a:spcAft>
+                <a:spcPts val="0"/>
+              </a:spcAft>
+              <a:buNone/>
+            </a:pPr>
+            <a:r>
+              <a:rPr b="1" lang="ko" sz="1000">
+                <a:latin typeface="Malgun Gothic"/>
+                <a:ea typeface="Malgun Gothic"/>
+                <a:cs typeface="Malgun Gothic"/>
+                <a:sym typeface="Malgun Gothic"/>
+              </a:rPr>
+              <a:t>    </a:t>
+            </a:r>
+            <a:endParaRPr b="1" sz="1000">
+              <a:latin typeface="Malgun Gothic"/>
+              <a:ea typeface="Malgun Gothic"/>
+              <a:cs typeface="Malgun Gothic"/>
+              <a:sym typeface="Malgun Gothic"/>
+            </a:endParaRPr>
+          </a:p>
+          <a:p>
+            <a:pPr indent="0" lvl="0" marL="0" marR="0" rtl="0" algn="l">
+              <a:lnSpc>
+                <a:spcPct val="100000"/>
+              </a:lnSpc>
+              <a:spcBef>
+                <a:spcPts val="0"/>
+              </a:spcBef>
+              <a:spcAft>
+                <a:spcPts val="0"/>
+              </a:spcAft>
+              <a:buNone/>
+            </a:pPr>
+            <a:r>
+              <a:rPr b="1" lang="ko" sz="1000">
+                <a:latin typeface="Malgun Gothic"/>
+                <a:ea typeface="Malgun Gothic"/>
+                <a:cs typeface="Malgun Gothic"/>
+                <a:sym typeface="Malgun Gothic"/>
+              </a:rPr>
+              <a:t>public class FPSCamera : MonoBehaviour</a:t>
+            </a:r>
+            <a:endParaRPr b="1" sz="1000">
+              <a:latin typeface="Malgun Gothic"/>
+              <a:ea typeface="Malgun Gothic"/>
+              <a:cs typeface="Malgun Gothic"/>
+              <a:sym typeface="Malgun Gothic"/>
+            </a:endParaRPr>
+          </a:p>
+          <a:p>
+            <a:pPr indent="0" lvl="0" marL="0" marR="0" rtl="0" algn="l">
+              <a:lnSpc>
+                <a:spcPct val="100000"/>
+              </a:lnSpc>
+              <a:spcBef>
+                <a:spcPts val="0"/>
+              </a:spcBef>
+              <a:spcAft>
+                <a:spcPts val="0"/>
+              </a:spcAft>
+              <a:buNone/>
+            </a:pPr>
+            <a:r>
+              <a:rPr b="1" lang="ko" sz="1000">
+                <a:latin typeface="Malgun Gothic"/>
+                <a:ea typeface="Malgun Gothic"/>
+                <a:cs typeface="Malgun Gothic"/>
+                <a:sym typeface="Malgun Gothic"/>
+              </a:rPr>
+              <a:t>{</a:t>
+            </a:r>
+            <a:endParaRPr b="1" sz="1000">
+              <a:latin typeface="Malgun Gothic"/>
+              <a:ea typeface="Malgun Gothic"/>
+              <a:cs typeface="Malgun Gothic"/>
+              <a:sym typeface="Malgun Gothic"/>
+            </a:endParaRPr>
+          </a:p>
+          <a:p>
+            <a:pPr indent="0" lvl="0" marL="0" marR="0" rtl="0" algn="l">
+              <a:lnSpc>
+                <a:spcPct val="100000"/>
+              </a:lnSpc>
+              <a:spcBef>
+                <a:spcPts val="0"/>
+              </a:spcBef>
+              <a:spcAft>
+                <a:spcPts val="0"/>
+              </a:spcAft>
+              <a:buNone/>
+            </a:pPr>
+            <a:r>
+              <a:rPr b="1" lang="ko" sz="1000">
+                <a:latin typeface="Malgun Gothic"/>
+                <a:ea typeface="Malgun Gothic"/>
+                <a:cs typeface="Malgun Gothic"/>
+                <a:sym typeface="Malgun Gothic"/>
+              </a:rPr>
+              <a:t>    public float m_Speed = 1.0f;</a:t>
+            </a:r>
+            <a:endParaRPr b="1" sz="1000">
+              <a:latin typeface="Malgun Gothic"/>
+              <a:ea typeface="Malgun Gothic"/>
+              <a:cs typeface="Malgun Gothic"/>
+              <a:sym typeface="Malgun Gothic"/>
+            </a:endParaRPr>
+          </a:p>
+          <a:p>
+            <a:pPr indent="0" lvl="0" marL="0" marR="0" rtl="0" algn="l">
+              <a:lnSpc>
+                <a:spcPct val="100000"/>
+              </a:lnSpc>
+              <a:spcBef>
+                <a:spcPts val="0"/>
+              </a:spcBef>
+              <a:spcAft>
+                <a:spcPts val="0"/>
+              </a:spcAft>
+              <a:buNone/>
+            </a:pPr>
+            <a:r>
+              <a:rPr b="1" lang="ko" sz="1000">
+                <a:latin typeface="Malgun Gothic"/>
+                <a:ea typeface="Malgun Gothic"/>
+                <a:cs typeface="Malgun Gothic"/>
+                <a:sym typeface="Malgun Gothic"/>
+              </a:rPr>
+              <a:t>    public float m_ClampAngle = 80.0f;</a:t>
+            </a:r>
+            <a:endParaRPr b="1" sz="1000">
+              <a:latin typeface="Malgun Gothic"/>
+              <a:ea typeface="Malgun Gothic"/>
+              <a:cs typeface="Malgun Gothic"/>
+              <a:sym typeface="Malgun Gothic"/>
+            </a:endParaRPr>
+          </a:p>
+          <a:p>
+            <a:pPr indent="0" lvl="0" marL="0" marR="0" rtl="0" algn="l">
+              <a:lnSpc>
+                <a:spcPct val="100000"/>
+              </a:lnSpc>
+              <a:spcBef>
+                <a:spcPts val="0"/>
+              </a:spcBef>
+              <a:spcAft>
+                <a:spcPts val="0"/>
+              </a:spcAft>
+              <a:buNone/>
+            </a:pPr>
+            <a:r>
+              <a:rPr b="1" lang="ko" sz="1000">
+                <a:latin typeface="Malgun Gothic"/>
+                <a:ea typeface="Malgun Gothic"/>
+                <a:cs typeface="Malgun Gothic"/>
+                <a:sym typeface="Malgun Gothic"/>
+              </a:rPr>
+              <a:t>    public bool m_IsFPS = true;</a:t>
+            </a:r>
+            <a:endParaRPr b="1" sz="1000">
+              <a:latin typeface="Malgun Gothic"/>
+              <a:ea typeface="Malgun Gothic"/>
+              <a:cs typeface="Malgun Gothic"/>
+              <a:sym typeface="Malgun Gothic"/>
+            </a:endParaRPr>
+          </a:p>
+          <a:p>
+            <a:pPr indent="0" lvl="0" marL="0" marR="0" rtl="0" algn="l">
+              <a:lnSpc>
+                <a:spcPct val="100000"/>
+              </a:lnSpc>
+              <a:spcBef>
+                <a:spcPts val="0"/>
+              </a:spcBef>
+              <a:spcAft>
+                <a:spcPts val="0"/>
+              </a:spcAft>
+              <a:buNone/>
+            </a:pPr>
+            <a:r>
+              <a:rPr b="1" lang="ko" sz="1000">
+                <a:latin typeface="Malgun Gothic"/>
+                <a:ea typeface="Malgun Gothic"/>
+                <a:cs typeface="Malgun Gothic"/>
+                <a:sym typeface="Malgun Gothic"/>
+              </a:rPr>
+              <a:t>    private float rotY = 0.0f; // rotation around the up/y axis</a:t>
+            </a:r>
+            <a:endParaRPr b="1" sz="1000">
+              <a:latin typeface="Malgun Gothic"/>
+              <a:ea typeface="Malgun Gothic"/>
+              <a:cs typeface="Malgun Gothic"/>
+              <a:sym typeface="Malgun Gothic"/>
+            </a:endParaRPr>
+          </a:p>
+          <a:p>
+            <a:pPr indent="0" lvl="0" marL="0" marR="0" rtl="0" algn="l">
+              <a:lnSpc>
+                <a:spcPct val="100000"/>
+              </a:lnSpc>
+              <a:spcBef>
+                <a:spcPts val="0"/>
+              </a:spcBef>
+              <a:spcAft>
+                <a:spcPts val="0"/>
+              </a:spcAft>
+              <a:buNone/>
+            </a:pPr>
+            <a:r>
+              <a:rPr b="1" lang="ko" sz="1000">
+                <a:latin typeface="Malgun Gothic"/>
+                <a:ea typeface="Malgun Gothic"/>
+                <a:cs typeface="Malgun Gothic"/>
+                <a:sym typeface="Malgun Gothic"/>
+              </a:rPr>
+              <a:t>    private float rotX = 0.0f; // rotation around the right/x axis</a:t>
+            </a:r>
+            <a:endParaRPr b="1" sz="1000">
+              <a:latin typeface="Malgun Gothic"/>
+              <a:ea typeface="Malgun Gothic"/>
+              <a:cs typeface="Malgun Gothic"/>
+              <a:sym typeface="Malgun Gothic"/>
+            </a:endParaRPr>
+          </a:p>
+          <a:p>
+            <a:pPr indent="0" lvl="0" marL="0" marR="0" rtl="0" algn="l">
+              <a:lnSpc>
+                <a:spcPct val="100000"/>
+              </a:lnSpc>
+              <a:spcBef>
+                <a:spcPts val="0"/>
+              </a:spcBef>
+              <a:spcAft>
+                <a:spcPts val="0"/>
+              </a:spcAft>
+              <a:buNone/>
+            </a:pPr>
+            <a:r>
+              <a:t/>
+            </a:r>
+            <a:endParaRPr b="1" sz="1000">
+              <a:latin typeface="Malgun Gothic"/>
+              <a:ea typeface="Malgun Gothic"/>
+              <a:cs typeface="Malgun Gothic"/>
+              <a:sym typeface="Malgun Gothic"/>
+            </a:endParaRPr>
+          </a:p>
+          <a:p>
+            <a:pPr indent="0" lvl="0" marL="0" marR="0" rtl="0" algn="l">
+              <a:lnSpc>
+                <a:spcPct val="100000"/>
+              </a:lnSpc>
+              <a:spcBef>
+                <a:spcPts val="0"/>
+              </a:spcBef>
+              <a:spcAft>
+                <a:spcPts val="0"/>
+              </a:spcAft>
+              <a:buNone/>
+            </a:pPr>
+            <a:r>
+              <a:rPr b="1" lang="ko" sz="1000">
+                <a:latin typeface="Malgun Gothic"/>
+                <a:ea typeface="Malgun Gothic"/>
+                <a:cs typeface="Malgun Gothic"/>
+                <a:sym typeface="Malgun Gothic"/>
+              </a:rPr>
+              <a:t>   void Update()</a:t>
+            </a:r>
+            <a:endParaRPr b="1" sz="1000">
+              <a:latin typeface="Malgun Gothic"/>
+              <a:ea typeface="Malgun Gothic"/>
+              <a:cs typeface="Malgun Gothic"/>
+              <a:sym typeface="Malgun Gothic"/>
+            </a:endParaRPr>
+          </a:p>
+          <a:p>
+            <a:pPr indent="0" lvl="0" marL="0" marR="0" rtl="0" algn="l">
+              <a:lnSpc>
+                <a:spcPct val="100000"/>
+              </a:lnSpc>
+              <a:spcBef>
+                <a:spcPts val="0"/>
+              </a:spcBef>
+              <a:spcAft>
+                <a:spcPts val="0"/>
+              </a:spcAft>
+              <a:buNone/>
+            </a:pPr>
+            <a:r>
+              <a:rPr b="1" lang="ko" sz="1000">
+                <a:latin typeface="Malgun Gothic"/>
+                <a:ea typeface="Malgun Gothic"/>
+                <a:cs typeface="Malgun Gothic"/>
+                <a:sym typeface="Malgun Gothic"/>
+              </a:rPr>
+              <a:t>    {</a:t>
+            </a:r>
+            <a:endParaRPr b="1" sz="1000">
+              <a:latin typeface="Malgun Gothic"/>
+              <a:ea typeface="Malgun Gothic"/>
+              <a:cs typeface="Malgun Gothic"/>
+              <a:sym typeface="Malgun Gothic"/>
+            </a:endParaRPr>
+          </a:p>
+          <a:p>
+            <a:pPr indent="0" lvl="0" marL="0" marR="0" rtl="0" algn="l">
+              <a:lnSpc>
+                <a:spcPct val="100000"/>
+              </a:lnSpc>
+              <a:spcBef>
+                <a:spcPts val="0"/>
+              </a:spcBef>
+              <a:spcAft>
+                <a:spcPts val="0"/>
+              </a:spcAft>
+              <a:buNone/>
+            </a:pPr>
+            <a:r>
+              <a:rPr b="1" lang="ko" sz="1000">
+                <a:latin typeface="Malgun Gothic"/>
+                <a:ea typeface="Malgun Gothic"/>
+                <a:cs typeface="Malgun Gothic"/>
+                <a:sym typeface="Malgun Gothic"/>
+              </a:rPr>
+              <a:t>        if (m_IsFPS)</a:t>
+            </a:r>
+            <a:endParaRPr b="1" sz="1000">
+              <a:latin typeface="Malgun Gothic"/>
+              <a:ea typeface="Malgun Gothic"/>
+              <a:cs typeface="Malgun Gothic"/>
+              <a:sym typeface="Malgun Gothic"/>
+            </a:endParaRPr>
+          </a:p>
+          <a:p>
+            <a:pPr indent="0" lvl="0" marL="0" marR="0" rtl="0" algn="l">
+              <a:lnSpc>
+                <a:spcPct val="100000"/>
+              </a:lnSpc>
+              <a:spcBef>
+                <a:spcPts val="0"/>
+              </a:spcBef>
+              <a:spcAft>
+                <a:spcPts val="0"/>
+              </a:spcAft>
+              <a:buNone/>
+            </a:pPr>
+            <a:r>
+              <a:rPr b="1" lang="ko" sz="1000">
+                <a:latin typeface="Malgun Gothic"/>
+                <a:ea typeface="Malgun Gothic"/>
+                <a:cs typeface="Malgun Gothic"/>
+                <a:sym typeface="Malgun Gothic"/>
+              </a:rPr>
+              <a:t>        {</a:t>
+            </a:r>
+            <a:endParaRPr b="1" sz="1000">
+              <a:latin typeface="Malgun Gothic"/>
+              <a:ea typeface="Malgun Gothic"/>
+              <a:cs typeface="Malgun Gothic"/>
+              <a:sym typeface="Malgun Gothic"/>
+            </a:endParaRPr>
+          </a:p>
+          <a:p>
+            <a:pPr indent="0" lvl="0" marL="0" marR="0" rtl="0" algn="l">
+              <a:lnSpc>
+                <a:spcPct val="100000"/>
+              </a:lnSpc>
+              <a:spcBef>
+                <a:spcPts val="0"/>
+              </a:spcBef>
+              <a:spcAft>
+                <a:spcPts val="0"/>
+              </a:spcAft>
+              <a:buNone/>
+            </a:pPr>
+            <a:r>
+              <a:rPr b="1" lang="ko" sz="1000">
+                <a:latin typeface="Malgun Gothic"/>
+                <a:ea typeface="Malgun Gothic"/>
+                <a:cs typeface="Malgun Gothic"/>
+                <a:sym typeface="Malgun Gothic"/>
+              </a:rPr>
+              <a:t>            float mouseX = Input.GetAxis("Mouse X");</a:t>
+            </a:r>
+            <a:endParaRPr b="1" sz="1000">
+              <a:latin typeface="Malgun Gothic"/>
+              <a:ea typeface="Malgun Gothic"/>
+              <a:cs typeface="Malgun Gothic"/>
+              <a:sym typeface="Malgun Gothic"/>
+            </a:endParaRPr>
+          </a:p>
+          <a:p>
+            <a:pPr indent="0" lvl="0" marL="0" marR="0" rtl="0" algn="l">
+              <a:lnSpc>
+                <a:spcPct val="100000"/>
+              </a:lnSpc>
+              <a:spcBef>
+                <a:spcPts val="0"/>
+              </a:spcBef>
+              <a:spcAft>
+                <a:spcPts val="0"/>
+              </a:spcAft>
+              <a:buNone/>
+            </a:pPr>
+            <a:r>
+              <a:rPr b="1" lang="ko" sz="1000">
+                <a:latin typeface="Malgun Gothic"/>
+                <a:ea typeface="Malgun Gothic"/>
+                <a:cs typeface="Malgun Gothic"/>
+                <a:sym typeface="Malgun Gothic"/>
+              </a:rPr>
+              <a:t>            float mouseY = -Input.GetAxis("Mouse Y");</a:t>
+            </a:r>
+            <a:endParaRPr b="1" sz="1000">
+              <a:latin typeface="Malgun Gothic"/>
+              <a:ea typeface="Malgun Gothic"/>
+              <a:cs typeface="Malgun Gothic"/>
+              <a:sym typeface="Malgun Gothic"/>
+            </a:endParaRPr>
+          </a:p>
+          <a:p>
+            <a:pPr indent="0" lvl="0" marL="0" marR="0" rtl="0" algn="l">
+              <a:lnSpc>
+                <a:spcPct val="100000"/>
+              </a:lnSpc>
+              <a:spcBef>
+                <a:spcPts val="0"/>
+              </a:spcBef>
+              <a:spcAft>
+                <a:spcPts val="0"/>
+              </a:spcAft>
+              <a:buNone/>
+            </a:pPr>
+            <a:r>
+              <a:t/>
+            </a:r>
+            <a:endParaRPr b="1" sz="1000">
+              <a:latin typeface="Malgun Gothic"/>
+              <a:ea typeface="Malgun Gothic"/>
+              <a:cs typeface="Malgun Gothic"/>
+              <a:sym typeface="Malgun Gothic"/>
+            </a:endParaRPr>
+          </a:p>
+          <a:p>
+            <a:pPr indent="0" lvl="0" marL="0" marR="0" rtl="0" algn="l">
+              <a:lnSpc>
+                <a:spcPct val="100000"/>
+              </a:lnSpc>
+              <a:spcBef>
+                <a:spcPts val="0"/>
+              </a:spcBef>
+              <a:spcAft>
+                <a:spcPts val="0"/>
+              </a:spcAft>
+              <a:buNone/>
+            </a:pPr>
+            <a:r>
+              <a:rPr b="1" lang="ko" sz="1000">
+                <a:latin typeface="Malgun Gothic"/>
+                <a:ea typeface="Malgun Gothic"/>
+                <a:cs typeface="Malgun Gothic"/>
+                <a:sym typeface="Malgun Gothic"/>
+              </a:rPr>
+              <a:t>            rotY += mouseX * m_Speed * Time.deltaTime * 200;</a:t>
+            </a:r>
+            <a:endParaRPr b="1" sz="1000">
+              <a:latin typeface="Malgun Gothic"/>
+              <a:ea typeface="Malgun Gothic"/>
+              <a:cs typeface="Malgun Gothic"/>
+              <a:sym typeface="Malgun Gothic"/>
+            </a:endParaRPr>
+          </a:p>
+          <a:p>
+            <a:pPr indent="0" lvl="0" marL="0" marR="0" rtl="0" algn="l">
+              <a:lnSpc>
+                <a:spcPct val="100000"/>
+              </a:lnSpc>
+              <a:spcBef>
+                <a:spcPts val="0"/>
+              </a:spcBef>
+              <a:spcAft>
+                <a:spcPts val="0"/>
+              </a:spcAft>
+              <a:buNone/>
+            </a:pPr>
+            <a:r>
+              <a:rPr b="1" lang="ko" sz="1000">
+                <a:latin typeface="Malgun Gothic"/>
+                <a:ea typeface="Malgun Gothic"/>
+                <a:cs typeface="Malgun Gothic"/>
+                <a:sym typeface="Malgun Gothic"/>
+              </a:rPr>
+              <a:t>            rotX += mouseY * m_Speed * Time.deltaTime * 200;</a:t>
+            </a:r>
+            <a:endParaRPr b="1" sz="1000">
+              <a:latin typeface="Malgun Gothic"/>
+              <a:ea typeface="Malgun Gothic"/>
+              <a:cs typeface="Malgun Gothic"/>
+              <a:sym typeface="Malgun Gothic"/>
+            </a:endParaRPr>
+          </a:p>
+          <a:p>
+            <a:pPr indent="0" lvl="0" marL="0" marR="0" rtl="0" algn="l">
+              <a:lnSpc>
+                <a:spcPct val="100000"/>
+              </a:lnSpc>
+              <a:spcBef>
+                <a:spcPts val="0"/>
+              </a:spcBef>
+              <a:spcAft>
+                <a:spcPts val="0"/>
+              </a:spcAft>
+              <a:buNone/>
+            </a:pPr>
+            <a:r>
+              <a:t/>
+            </a:r>
+            <a:endParaRPr b="1" sz="1000">
+              <a:latin typeface="Malgun Gothic"/>
+              <a:ea typeface="Malgun Gothic"/>
+              <a:cs typeface="Malgun Gothic"/>
+              <a:sym typeface="Malgun Gothic"/>
+            </a:endParaRPr>
+          </a:p>
+          <a:p>
+            <a:pPr indent="0" lvl="0" marL="0" marR="0" rtl="0" algn="l">
+              <a:lnSpc>
+                <a:spcPct val="100000"/>
+              </a:lnSpc>
+              <a:spcBef>
+                <a:spcPts val="0"/>
+              </a:spcBef>
+              <a:spcAft>
+                <a:spcPts val="0"/>
+              </a:spcAft>
+              <a:buNone/>
+            </a:pPr>
+            <a:r>
+              <a:rPr b="1" lang="ko" sz="1000">
+                <a:latin typeface="Malgun Gothic"/>
+                <a:ea typeface="Malgun Gothic"/>
+                <a:cs typeface="Malgun Gothic"/>
+                <a:sym typeface="Malgun Gothic"/>
+              </a:rPr>
+              <a:t>            rotX = Mathf.Clamp(rotX, -m_ClampAngle, m_ClampAngle);</a:t>
+            </a:r>
+            <a:endParaRPr b="1" sz="1000">
+              <a:latin typeface="Malgun Gothic"/>
+              <a:ea typeface="Malgun Gothic"/>
+              <a:cs typeface="Malgun Gothic"/>
+              <a:sym typeface="Malgun Gothic"/>
+            </a:endParaRPr>
+          </a:p>
+          <a:p>
+            <a:pPr indent="0" lvl="0" marL="0" marR="0" rtl="0" algn="l">
+              <a:lnSpc>
+                <a:spcPct val="100000"/>
+              </a:lnSpc>
+              <a:spcBef>
+                <a:spcPts val="0"/>
+              </a:spcBef>
+              <a:spcAft>
+                <a:spcPts val="0"/>
+              </a:spcAft>
+              <a:buNone/>
+            </a:pPr>
+            <a:r>
+              <a:t/>
+            </a:r>
+            <a:endParaRPr b="1" sz="1000">
+              <a:latin typeface="Malgun Gothic"/>
+              <a:ea typeface="Malgun Gothic"/>
+              <a:cs typeface="Malgun Gothic"/>
+              <a:sym typeface="Malgun Gothic"/>
+            </a:endParaRPr>
+          </a:p>
+          <a:p>
+            <a:pPr indent="0" lvl="0" marL="0" marR="0" rtl="0" algn="l">
+              <a:lnSpc>
+                <a:spcPct val="100000"/>
+              </a:lnSpc>
+              <a:spcBef>
+                <a:spcPts val="0"/>
+              </a:spcBef>
+              <a:spcAft>
+                <a:spcPts val="0"/>
+              </a:spcAft>
+              <a:buNone/>
+            </a:pPr>
+            <a:r>
+              <a:rPr b="1" lang="ko" sz="1000">
+                <a:latin typeface="Malgun Gothic"/>
+                <a:ea typeface="Malgun Gothic"/>
+                <a:cs typeface="Malgun Gothic"/>
+                <a:sym typeface="Malgun Gothic"/>
+              </a:rPr>
+              <a:t>            Quaternion localRotation = Quaternion.Euler(rotX, rotY, 0.0f);</a:t>
+            </a:r>
+            <a:endParaRPr b="1" sz="1000">
+              <a:latin typeface="Malgun Gothic"/>
+              <a:ea typeface="Malgun Gothic"/>
+              <a:cs typeface="Malgun Gothic"/>
+              <a:sym typeface="Malgun Gothic"/>
+            </a:endParaRPr>
+          </a:p>
+          <a:p>
+            <a:pPr indent="0" lvl="0" marL="0" marR="0" rtl="0" algn="l">
+              <a:lnSpc>
+                <a:spcPct val="100000"/>
+              </a:lnSpc>
+              <a:spcBef>
+                <a:spcPts val="0"/>
+              </a:spcBef>
+              <a:spcAft>
+                <a:spcPts val="0"/>
+              </a:spcAft>
+              <a:buNone/>
+            </a:pPr>
+            <a:r>
+              <a:rPr b="1" lang="ko" sz="1000">
+                <a:latin typeface="Malgun Gothic"/>
+                <a:ea typeface="Malgun Gothic"/>
+                <a:cs typeface="Malgun Gothic"/>
+                <a:sym typeface="Malgun Gothic"/>
+              </a:rPr>
+              <a:t>            transform.rotation = localRotation;</a:t>
+            </a:r>
+            <a:endParaRPr b="1" sz="1000">
+              <a:latin typeface="Malgun Gothic"/>
+              <a:ea typeface="Malgun Gothic"/>
+              <a:cs typeface="Malgun Gothic"/>
+              <a:sym typeface="Malgun Gothic"/>
+            </a:endParaRPr>
+          </a:p>
+          <a:p>
+            <a:pPr indent="0" lvl="0" marL="0" marR="0" rtl="0" algn="l">
+              <a:lnSpc>
+                <a:spcPct val="100000"/>
+              </a:lnSpc>
+              <a:spcBef>
+                <a:spcPts val="0"/>
+              </a:spcBef>
+              <a:spcAft>
+                <a:spcPts val="0"/>
+              </a:spcAft>
+              <a:buNone/>
+            </a:pPr>
+            <a:r>
+              <a:rPr b="1" lang="ko" sz="1000">
+                <a:latin typeface="Malgun Gothic"/>
+                <a:ea typeface="Malgun Gothic"/>
+                <a:cs typeface="Malgun Gothic"/>
+                <a:sym typeface="Malgun Gothic"/>
+              </a:rPr>
+              <a:t>        }</a:t>
+            </a:r>
+            <a:endParaRPr b="1" sz="1000">
+              <a:latin typeface="Malgun Gothic"/>
+              <a:ea typeface="Malgun Gothic"/>
+              <a:cs typeface="Malgun Gothic"/>
+              <a:sym typeface="Malgun Gothic"/>
+            </a:endParaRPr>
+          </a:p>
+          <a:p>
+            <a:pPr indent="0" lvl="0" marL="0" marR="0" rtl="0" algn="l">
+              <a:lnSpc>
+                <a:spcPct val="100000"/>
+              </a:lnSpc>
+              <a:spcBef>
+                <a:spcPts val="0"/>
+              </a:spcBef>
+              <a:spcAft>
+                <a:spcPts val="0"/>
+              </a:spcAft>
+              <a:buNone/>
+            </a:pPr>
+            <a:r>
+              <a:rPr b="1" lang="ko" sz="1000">
+                <a:latin typeface="Malgun Gothic"/>
+                <a:ea typeface="Malgun Gothic"/>
+                <a:cs typeface="Malgun Gothic"/>
+                <a:sym typeface="Malgun Gothic"/>
+              </a:rPr>
+              <a:t>    }</a:t>
+            </a:r>
+            <a:endParaRPr b="1" sz="1000">
+              <a:latin typeface="Malgun Gothic"/>
+              <a:ea typeface="Malgun Gothic"/>
+              <a:cs typeface="Malgun Gothic"/>
+              <a:sym typeface="Malgun Gothic"/>
+            </a:endParaRPr>
+          </a:p>
+          <a:p>
+            <a:pPr indent="0" lvl="0" marL="0" marR="0" rtl="0" algn="l">
+              <a:lnSpc>
+                <a:spcPct val="150000"/>
+              </a:lnSpc>
+              <a:spcBef>
+                <a:spcPts val="0"/>
+              </a:spcBef>
+              <a:spcAft>
+                <a:spcPts val="0"/>
+              </a:spcAft>
+              <a:buNone/>
+            </a:pPr>
+            <a:r>
+              <a:rPr b="1" lang="ko">
+                <a:latin typeface="Malgun Gothic"/>
+                <a:ea typeface="Malgun Gothic"/>
+                <a:cs typeface="Malgun Gothic"/>
+                <a:sym typeface="Malgun Gothic"/>
+              </a:rPr>
+              <a:t>}</a:t>
+            </a:r>
+            <a:endParaRPr b="1">
+              <a:latin typeface="Malgun Gothic"/>
+              <a:ea typeface="Malgun Gothic"/>
+              <a:cs typeface="Malgun Gothic"/>
+              <a:sym typeface="Malgun Gothic"/>
+            </a:endParaRPr>
+          </a:p>
+        </p:txBody>
+      </p:sp>
+    </p:spTree>
+  </p:cSld>
+  <p:clrMapOvr>
+    <a:masterClrMapping/>
+  </p:clrMapOvr>
+</p:sld>
+</file>
+
 <file path=ppt/theme/theme1.xml><?xml version="1.0" encoding="utf-8"?>
 <a:theme xmlns:a="http://schemas.openxmlformats.org/drawingml/2006/main" xmlns:r="http://schemas.openxmlformats.org/officeDocument/2006/relationships">
   <a:themeElements>
